--- a/CVs/employee_c.pptx
+++ b/CVs/employee_c.pptx
@@ -3142,7 +3142,7 @@
           <a:noFill/>
         </p:spPr>
         <p:txBody>
-          <a:bodyPr wrap="none">
+          <a:bodyPr wrap="square">
             <a:spAutoFit/>
           </a:bodyPr>
           <a:lstStyle/>
@@ -3175,7 +3175,7 @@
         <p:spPr>
           <a:xfrm>
             <a:off x="457200" y="2651760"/>
-            <a:ext cx="3657600" cy="1097280"/>
+            <a:ext cx="3657600" cy="1371600"/>
           </a:xfrm>
           <a:prstGeom prst="rect">
             <a:avLst/>
@@ -3183,7 +3183,7 @@
           <a:noFill/>
         </p:spPr>
         <p:txBody>
-          <a:bodyPr wrap="none">
+          <a:bodyPr wrap="square">
             <a:spAutoFit/>
           </a:bodyPr>
           <a:lstStyle/>
@@ -3202,7 +3202,15 @@
               <a:defRPr sz="1400"/>
             </a:pPr>
             <a:r>
-              <a:t>Universidade do Porto - Marketing Digital - 2025; Escola de Marketing de Gaia - Vendedor Multi-Nivel - 2021</a:t>
+              <a:t>Universidade do Porto - Marketing Digital - 2025</a:t>
+            </a:r>
+          </a:p>
+          <a:p>
+            <a:pPr>
+              <a:defRPr sz="1400"/>
+            </a:pPr>
+            <a:r>
+              <a:t>Escola de Marketing de Gaia - Vendedor Multi - Nivel - 2021</a:t>
             </a:r>
           </a:p>
         </p:txBody>
@@ -3224,7 +3232,7 @@
           <a:noFill/>
         </p:spPr>
         <p:txBody>
-          <a:bodyPr wrap="none">
+          <a:bodyPr wrap="square">
             <a:spAutoFit/>
           </a:bodyPr>
           <a:lstStyle/>
@@ -3243,171 +3251,43 @@
               <a:defRPr sz="1400"/>
             </a:pPr>
             <a:r>
-              <a:t>Agile</a:t>
+              <a:t>Design &amp; Build Enablement</a:t>
             </a:r>
             <a:br/>
             <a:r>
-              <a:t>Agile/DevOps</a:t>
+              <a:t>Requirements Analysis</a:t>
             </a:r>
             <a:br/>
             <a:r>
+              <a:t>SAP FI Accounts Receivable</a:t>
+            </a:r>
+            <a:br/>
+            <a:r>
               <a:t>Application Architecture Estimation</a:t>
             </a:r>
             <a:br/>
             <a:r>
-              <a:t>Application Architectures</a:t>
+              <a:t>Architecture Design</a:t>
             </a:r>
             <a:br/>
             <a:r>
+              <a:t>Business Model Strategy</a:t>
+            </a:r>
+            <a:br/>
+            <a:r>
+              <a:t>Architecture Frameworks</a:t>
+            </a:r>
+            <a:br/>
+            <a:r>
+              <a:t>SAP FI Accounts Payable</a:t>
+            </a:r>
+            <a:br/>
+            <a:r>
               <a:t>Application Design</a:t>
             </a:r>
             <a:br/>
             <a:r>
-              <a:t>Architecture</a:t>
-            </a:r>
-            <a:br/>
-            <a:r>
-              <a:t>Architecture Design</a:t>
-            </a:r>
-            <a:br/>
-            <a:r>
-              <a:t>Architecture Frameworks</a:t>
-            </a:r>
-            <a:br/>
-            <a:r>
-              <a:t>Architecture Strategy</a:t>
-            </a:r>
-            <a:br/>
-            <a:r>
-              <a:t>Build Management</a:t>
-            </a:r>
-            <a:br/>
-            <a:r>
-              <a:t>Business Model Strategy</a:t>
-            </a:r>
-            <a:br/>
-            <a:r>
-              <a:t>Business Process Analysis Tools</a:t>
-            </a:r>
-            <a:br/>
-            <a:r>
-              <a:t>Business Process Design</a:t>
-            </a:r>
-            <a:br/>
-            <a:r>
-              <a:t>CEO &amp; Enterprise Strategy</a:t>
-            </a:r>
-            <a:br/>
-            <a:r>
-              <a:t>Complex Program Del</a:t>
-            </a:r>
-            <a:br/>
-            <a:r>
-              <a:t>Complex Program Delivery</a:t>
-            </a:r>
-            <a:br/>
-            <a:r>
-              <a:t>Configuration &amp; Release Management</a:t>
-            </a:r>
-            <a:br/>
-            <a:r>
-              <a:t>Custom &amp; Integration Architectures</a:t>
-            </a:r>
-            <a:br/>
-            <a:r>
-              <a:t>Customer, Sales &amp; Service</a:t>
-            </a:r>
-            <a:br/>
-            <a:r>
-              <a:t>Design &amp; Build Enablement</a:t>
-            </a:r>
-            <a:br/>
-            <a:r>
-              <a:t>Development &amp; Operations Architectures</a:t>
-            </a:r>
-            <a:br/>
-            <a:r>
-              <a:t>Finance</a:t>
-            </a:r>
-            <a:br/>
-            <a:r>
-              <a:t>Growth Strategy</a:t>
-            </a:r>
-            <a:br/>
-            <a:r>
-              <a:t>Growth and Competitiveness</a:t>
-            </a:r>
-            <a:br/>
-            <a:r>
-              <a:t>Microsoft Office</a:t>
-            </a:r>
-            <a:br/>
-            <a:r>
-              <a:t>Operations &amp; Process Transformation</a:t>
-            </a:r>
-            <a:br/>
-            <a:r>
-              <a:t>Operations Architectures</a:t>
-            </a:r>
-            <a:br/>
-            <a:r>
-              <a:t>Organization, Leadership &amp; Culture</a:t>
-            </a:r>
-            <a:br/>
-            <a:r>
-              <a:t>Platform-led Finance Transformation</a:t>
-            </a:r>
-            <a:br/>
-            <a:r>
-              <a:t>Requirements Analysis</a:t>
-            </a:r>
-            <a:br/>
-            <a:r>
-              <a:t>Requirements Definition</a:t>
-            </a:r>
-            <a:br/>
-            <a:r>
-              <a:t>SAP</a:t>
-            </a:r>
-            <a:br/>
-            <a:r>
-              <a:t>SAP Acct and Financial Close</a:t>
-            </a:r>
-            <a:br/>
-            <a:r>
-              <a:t>SAP FI Accounts Payable</a:t>
-            </a:r>
-            <a:br/>
-            <a:r>
-              <a:t>SAP FI Accounts Receivable</a:t>
-            </a:r>
-            <a:br/>
-            <a:r>
               <a:t>SAP FI CO Finance</a:t>
-            </a:r>
-            <a:br/>
-            <a:r>
-              <a:t>SAP Fieldglass</a:t>
-            </a:r>
-            <a:br/>
-            <a:r>
-              <a:t>SAP Fieldglass Integrations</a:t>
-            </a:r>
-            <a:br/>
-            <a:r>
-              <a:t>Site Reliability Engineering</a:t>
-            </a:r>
-            <a:br/>
-            <a:r>
-              <a:t>Solution Architecting</a:t>
-            </a:r>
-            <a:br/>
-            <a:r>
-              <a:t>Supply Chain</a:t>
-            </a:r>
-            <a:br/>
-            <a:r>
-              <a:t>Talent &amp; HR</a:t>
             </a:r>
           </a:p>
         </p:txBody>
@@ -3429,7 +3309,7 @@
           <a:noFill/>
         </p:spPr>
         <p:txBody>
-          <a:bodyPr wrap="none">
+          <a:bodyPr wrap="square">
             <a:spAutoFit/>
           </a:bodyPr>
           <a:lstStyle/>
@@ -3469,7 +3349,7 @@
         </p:nvSpPr>
         <p:spPr>
           <a:xfrm>
-            <a:off x="6217920" y="1463040"/>
+            <a:off x="5486400" y="2011680"/>
             <a:ext cx="3200400" cy="5486400"/>
           </a:xfrm>
           <a:prstGeom prst="rect">
@@ -3478,11 +3358,14 @@
           <a:noFill/>
         </p:spPr>
         <p:txBody>
-          <a:bodyPr wrap="none">
+          <a:bodyPr wrap="square">
             <a:spAutoFit/>
           </a:bodyPr>
           <a:lstStyle/>
           <a:p>
+            <a:pPr>
+              <a:defRPr sz="1400"/>
+            </a:pPr>
             <a:r>
               <a:rPr b="1">
                 <a:solidFill>
